--- a/documentacao/pptx_docx/Equipe 1 app Medicamento.pptx
+++ b/documentacao/pptx_docx/Equipe 1 app Medicamento.pptx
@@ -1741,7 +1741,7 @@
   <p:cSld>
     <p:spTree>
       <p:nvGrpSpPr>
-        <p:cNvPr id="187" name="Shape 187"/>
+        <p:cNvPr id="188" name="Shape 188"/>
         <p:cNvGrpSpPr/>
         <p:nvPr/>
       </p:nvGrpSpPr>
@@ -1755,7 +1755,7 @@
       </p:grpSpPr>
       <p:sp>
         <p:nvSpPr>
-          <p:cNvPr id="188" name="Google Shape;188;g355e9d033eb_0_0:notes"/>
+          <p:cNvPr id="189" name="Google Shape;189;g355e9d033eb_0_0:notes"/>
           <p:cNvSpPr txBox="1"/>
           <p:nvPr>
             <p:ph idx="1" type="body"/>
@@ -1794,7 +1794,7 @@
       </p:sp>
       <p:sp>
         <p:nvSpPr>
-          <p:cNvPr id="189" name="Google Shape;189;g355e9d033eb_0_0:notes"/>
+          <p:cNvPr id="190" name="Google Shape;190;g355e9d033eb_0_0:notes"/>
           <p:cNvSpPr/>
           <p:nvPr>
             <p:ph idx="2" type="sldImg"/>
@@ -12694,7 +12694,7 @@
             </a:pPr>
             <a:r>
               <a:rPr lang="pt-BR"/>
-              <a:t>Vídeo do app:</a:t>
+              <a:t>Vídeo do app: github</a:t>
             </a:r>
             <a:endParaRPr/>
           </a:p>
@@ -12748,6 +12748,69 @@
           </a:p>
         </p:txBody>
       </p:sp>
+      <p:sp>
+        <p:nvSpPr>
+          <p:cNvPr id="187" name="Google Shape;187;p29"/>
+          <p:cNvSpPr txBox="1"/>
+          <p:nvPr/>
+        </p:nvSpPr>
+        <p:spPr>
+          <a:xfrm>
+            <a:off x="675000" y="2356200"/>
+            <a:ext cx="7668000" cy="461700"/>
+          </a:xfrm>
+          <a:prstGeom prst="rect">
+            <a:avLst/>
+          </a:prstGeom>
+          <a:noFill/>
+          <a:ln>
+            <a:noFill/>
+          </a:ln>
+        </p:spPr>
+        <p:txBody>
+          <a:bodyPr anchorCtr="0" anchor="t" bIns="91425" lIns="91425" spcFirstLastPara="1" rIns="91425" wrap="square" tIns="91425">
+            <a:spAutoFit/>
+          </a:bodyPr>
+          <a:lstStyle/>
+          <a:p>
+            <a:pPr indent="0" lvl="0" marL="0" rtl="0" algn="ctr">
+              <a:spcBef>
+                <a:spcPts val="0"/>
+              </a:spcBef>
+              <a:spcAft>
+                <a:spcPts val="0"/>
+              </a:spcAft>
+              <a:buClr>
+                <a:schemeClr val="dk1"/>
+              </a:buClr>
+              <a:buSzPts val="1100"/>
+              <a:buFont typeface="Arial"/>
+              <a:buNone/>
+            </a:pPr>
+            <a:r>
+              <a:rPr b="1" lang="pt-BR" sz="1800">
+                <a:solidFill>
+                  <a:schemeClr val="dk2"/>
+                </a:solidFill>
+              </a:rPr>
+              <a:t>disponível no link</a:t>
+            </a:r>
+            <a:r>
+              <a:rPr lang="pt-BR" sz="1800">
+                <a:solidFill>
+                  <a:schemeClr val="dk2"/>
+                </a:solidFill>
+              </a:rPr>
+              <a:t>: https://github.com/JaineBrito/GlicOne</a:t>
+            </a:r>
+            <a:endParaRPr sz="2000">
+              <a:solidFill>
+                <a:schemeClr val="dk2"/>
+              </a:solidFill>
+            </a:endParaRPr>
+          </a:p>
+        </p:txBody>
+      </p:sp>
     </p:spTree>
   </p:cSld>
   <p:clrMapOvr>
@@ -12761,7 +12824,7 @@
   <p:cSld>
     <p:spTree>
       <p:nvGrpSpPr>
-        <p:cNvPr id="190" name="Shape 190"/>
+        <p:cNvPr id="191" name="Shape 191"/>
         <p:cNvGrpSpPr/>
         <p:nvPr/>
       </p:nvGrpSpPr>
@@ -12775,7 +12838,7 @@
       </p:grpSpPr>
       <p:sp>
         <p:nvSpPr>
-          <p:cNvPr id="191" name="Google Shape;191;p30"/>
+          <p:cNvPr id="192" name="Google Shape;192;p30"/>
           <p:cNvSpPr txBox="1"/>
           <p:nvPr>
             <p:ph type="title"/>
@@ -12826,7 +12889,7 @@
       </p:sp>
       <p:sp>
         <p:nvSpPr>
-          <p:cNvPr id="192" name="Google Shape;192;p30"/>
+          <p:cNvPr id="193" name="Google Shape;193;p30"/>
           <p:cNvSpPr txBox="1"/>
           <p:nvPr>
             <p:ph idx="12" type="sldNum"/>
